--- a/template.pptx
+++ b/template.pptx
@@ -1,21 +1,22 @@
 
 <file path=ppt/presentation.xml><?xml version="1.0" encoding="utf-8"?>
-<p:presentation xmlns:r="http://schemas.openxmlformats.org/officeDocument/2006/relationships" xmlns:c="http://schemas.openxmlformats.org/drawingml/2006/chart" xmlns:a="http://schemas.openxmlformats.org/drawingml/2006/main" xmlns:dgm="http://schemas.openxmlformats.org/drawingml/2006/diagram" xmlns:dsp="http://schemas.microsoft.com/office/drawing/2008/diagram" xmlns:p="http://schemas.openxmlformats.org/presentationml/2006/main">
+<p:presentation xmlns:a="http://schemas.openxmlformats.org/drawingml/2006/main" xmlns:p="http://schemas.openxmlformats.org/presentationml/2006/main" xmlns:r="http://schemas.openxmlformats.org/officeDocument/2006/relationships" xmlns:p14="http://schemas.microsoft.com/office/powerpoint/2010/main" xmlns:p15="http://schemas.microsoft.com/office/powerpoint/2012/main" xmlns:mc="http://schemas.openxmlformats.org/markup-compatibility/2006">
   <p:sldMasterIdLst>
-    <p:sldMasterId id="2147483648" r:id="rId1"/>
-    <p:sldMasterId id="2147483661" r:id="rId2"/>
+    <p:sldMasterId id="2147483648" r:id="rId2"/>
+    <p:sldMasterId id="2147483661" r:id="rId3"/>
   </p:sldMasterIdLst>
   <p:sldIdLst>
-    <p:sldId id="256" r:id="rId3"/>
-    <p:sldId id="257" r:id="rId4"/>
-    <p:sldId id="258" r:id="rId5"/>
-    <p:sldId id="259" r:id="rId6"/>
-    <p:sldId id="260" r:id="rId7"/>
-    <p:sldId id="261" r:id="rId8"/>
-    <p:sldId id="262" r:id="rId9"/>
-    <p:sldId id="263" r:id="rId10"/>
-    <p:sldId id="264" r:id="rId11"/>
-    <p:sldId id="266" r:id="rId12"/>
+    <p:sldId id="256" r:id="rId4"/>
+    <p:sldId id="257" r:id="rId5"/>
+    <p:sldId id="258" r:id="rId6"/>
+    <p:sldId id="259" r:id="rId7"/>
+    <p:sldId id="260" r:id="rId8"/>
+    <p:sldId id="261" r:id="rId9"/>
+    <p:sldId id="262" r:id="rId10"/>
+    <p:sldId id="263" r:id="rId11"/>
+    <p:sldId id="264" r:id="rId12"/>
+    <p:sldId id="265" r:id="rId13"/>
+    <p:sldId id="266" r:id="rId14"/>
   </p:sldIdLst>
   <p:sldSz cx="12192000" cy="6858000"/>
   <p:notesSz cx="7559675" cy="10691813"/>
@@ -73,7 +74,7 @@
         <p:txBody>
           <a:bodyPr/>
           <a:p>
-            <a:fld id="{AA778572-F552-4B57-86F5-9AC706F13374}" type="slidenum">
+            <a:fld id="{C69BA78B-55E0-4CBE-B471-75D269509FDB}" type="slidenum">
               <a:t>&lt;#&gt;</a:t>
             </a:fld>
           </a:p>
@@ -261,7 +262,7 @@
         <p:txBody>
           <a:bodyPr/>
           <a:p>
-            <a:fld id="{CEAAA461-F6F4-484D-A72A-C42D8A296B5C}" type="slidenum">
+            <a:fld id="{257F224C-0DF3-4AD5-8A30-52BEA78B9486}" type="slidenum">
               <a:t>&lt;#&gt;</a:t>
             </a:fld>
           </a:p>
@@ -517,7 +518,7 @@
         <p:txBody>
           <a:bodyPr/>
           <a:p>
-            <a:fld id="{39A1A68A-DBC6-4FED-A822-044F018A7334}" type="slidenum">
+            <a:fld id="{28F18519-2E64-49C8-9424-201824718AD7}" type="slidenum">
               <a:t>&lt;#&gt;</a:t>
             </a:fld>
           </a:p>
@@ -841,7 +842,7 @@
         <p:txBody>
           <a:bodyPr/>
           <a:p>
-            <a:fld id="{EBE58DEB-FE9A-4C0B-9FC8-608D980C5851}" type="slidenum">
+            <a:fld id="{0F4BAE85-A532-497A-B8F2-745D49588DC3}" type="slidenum">
               <a:t>&lt;#&gt;</a:t>
             </a:fld>
           </a:p>
@@ -924,7 +925,7 @@
         <p:txBody>
           <a:bodyPr/>
           <a:p>
-            <a:fld id="{AB24ED40-2378-419C-A60B-0C7BD8899A17}" type="slidenum">
+            <a:fld id="{0312B630-61C0-4058-9C00-583C194ACC1A}" type="slidenum">
               <a:t>&lt;#&gt;</a:t>
             </a:fld>
           </a:p>
@@ -1081,7 +1082,7 @@
         <p:txBody>
           <a:bodyPr/>
           <a:p>
-            <a:fld id="{8C05DC38-709E-4250-8670-B57AC968C17C}" type="slidenum">
+            <a:fld id="{804F9F3C-4AC4-4441-A43F-1E042322C4D4}" type="slidenum">
               <a:t>&lt;#&gt;</a:t>
             </a:fld>
           </a:p>
@@ -1235,7 +1236,7 @@
         <p:txBody>
           <a:bodyPr/>
           <a:p>
-            <a:fld id="{195831EE-0A53-4C29-A2FB-C0D6FB08B412}" type="slidenum">
+            <a:fld id="{3A215109-F384-46E3-89F8-660091723CEA}" type="slidenum">
               <a:t>&lt;#&gt;</a:t>
             </a:fld>
           </a:p>
@@ -1423,7 +1424,7 @@
         <p:txBody>
           <a:bodyPr/>
           <a:p>
-            <a:fld id="{E80F6248-9C3D-4EC9-ABEA-C1844CDC5286}" type="slidenum">
+            <a:fld id="{6B37247D-ADE7-4A3B-809D-B73D1F9D4B94}" type="slidenum">
               <a:t>&lt;#&gt;</a:t>
             </a:fld>
           </a:p>
@@ -1543,7 +1544,7 @@
         <p:txBody>
           <a:bodyPr/>
           <a:p>
-            <a:fld id="{4A3031A8-6BAA-4BA7-9E44-E4EB223903ED}" type="slidenum">
+            <a:fld id="{6633E99E-33CE-4BE2-8583-5D3516115FC4}" type="slidenum">
               <a:t>&lt;#&gt;</a:t>
             </a:fld>
           </a:p>
@@ -1663,7 +1664,7 @@
         <p:txBody>
           <a:bodyPr/>
           <a:p>
-            <a:fld id="{7969176D-BB7A-4C06-B150-0DFA3751D48A}" type="slidenum">
+            <a:fld id="{7367B785-5889-46DA-BE72-9CA9F1546FAF}" type="slidenum">
               <a:t>&lt;#&gt;</a:t>
             </a:fld>
           </a:p>
@@ -1885,7 +1886,7 @@
         <p:txBody>
           <a:bodyPr/>
           <a:p>
-            <a:fld id="{40374FCD-EEA7-49A7-9289-95B49C830F51}" type="slidenum">
+            <a:fld id="{DB86FE36-66FC-4681-989B-A5E3434E9C4F}" type="slidenum">
               <a:t>&lt;#&gt;</a:t>
             </a:fld>
           </a:p>
@@ -2042,7 +2043,7 @@
         <p:txBody>
           <a:bodyPr/>
           <a:p>
-            <a:fld id="{05CEB941-B08F-4571-8428-3A728EE0F3A8}" type="slidenum">
+            <a:fld id="{F5AC0E54-2B53-499A-B8B8-DF8AF15C1A46}" type="slidenum">
               <a:t>&lt;#&gt;</a:t>
             </a:fld>
           </a:p>
@@ -2264,7 +2265,7 @@
         <p:txBody>
           <a:bodyPr/>
           <a:p>
-            <a:fld id="{00AE8F7C-9D5D-4B56-9B04-7FD04F044AA9}" type="slidenum">
+            <a:fld id="{ECE65775-B06E-4888-8EBD-82A317800185}" type="slidenum">
               <a:t>&lt;#&gt;</a:t>
             </a:fld>
           </a:p>
@@ -2486,7 +2487,7 @@
         <p:txBody>
           <a:bodyPr/>
           <a:p>
-            <a:fld id="{132C94E6-0CE0-46A8-84E5-02B8C92735B5}" type="slidenum">
+            <a:fld id="{C1323C6B-B854-4D56-B1B3-90455C1E53A2}" type="slidenum">
               <a:t>&lt;#&gt;</a:t>
             </a:fld>
           </a:p>
@@ -2674,7 +2675,7 @@
         <p:txBody>
           <a:bodyPr/>
           <a:p>
-            <a:fld id="{8C53838A-DDAB-49FB-8019-CCD6F55E4D69}" type="slidenum">
+            <a:fld id="{321623E6-4D04-4C2B-9268-83D9C9EDA2A5}" type="slidenum">
               <a:t>&lt;#&gt;</a:t>
             </a:fld>
           </a:p>
@@ -2930,7 +2931,7 @@
         <p:txBody>
           <a:bodyPr/>
           <a:p>
-            <a:fld id="{EE8618EE-4809-42F7-9705-2A7590D8DA46}" type="slidenum">
+            <a:fld id="{FB65C0DD-E56A-48FB-9B5A-E26CF94AFC6A}" type="slidenum">
               <a:t>&lt;#&gt;</a:t>
             </a:fld>
           </a:p>
@@ -3254,7 +3255,7 @@
         <p:txBody>
           <a:bodyPr/>
           <a:p>
-            <a:fld id="{91E5A500-3589-4F17-B939-3FA728E190EA}" type="slidenum">
+            <a:fld id="{43CB6164-6D51-4229-81C3-383DA453BE7F}" type="slidenum">
               <a:t>&lt;#&gt;</a:t>
             </a:fld>
           </a:p>
@@ -3408,7 +3409,7 @@
         <p:txBody>
           <a:bodyPr/>
           <a:p>
-            <a:fld id="{B18FBD3C-19C2-4A04-B68E-2CEFDF2BF745}" type="slidenum">
+            <a:fld id="{420D4B69-DCC6-4628-A750-A7862DA0CB37}" type="slidenum">
               <a:t>&lt;#&gt;</a:t>
             </a:fld>
           </a:p>
@@ -3596,7 +3597,7 @@
         <p:txBody>
           <a:bodyPr/>
           <a:p>
-            <a:fld id="{0BDDCB6B-794F-4117-A781-3190331CA7C9}" type="slidenum">
+            <a:fld id="{3865B46B-412C-4A36-BAC9-CC9249C0F7FB}" type="slidenum">
               <a:t>&lt;#&gt;</a:t>
             </a:fld>
           </a:p>
@@ -3716,7 +3717,7 @@
         <p:txBody>
           <a:bodyPr/>
           <a:p>
-            <a:fld id="{37775D39-B384-414E-80F4-76C4F7076FE7}" type="slidenum">
+            <a:fld id="{A0E6D69E-D207-4C51-B703-CEA9B6E07D9E}" type="slidenum">
               <a:t>&lt;#&gt;</a:t>
             </a:fld>
           </a:p>
@@ -3836,7 +3837,7 @@
         <p:txBody>
           <a:bodyPr/>
           <a:p>
-            <a:fld id="{DD4782F5-F041-4B52-83E3-3BC1D12DD2DD}" type="slidenum">
+            <a:fld id="{AE072BFE-9D87-413D-B2DC-21FBC488135A}" type="slidenum">
               <a:t>&lt;#&gt;</a:t>
             </a:fld>
           </a:p>
@@ -4058,7 +4059,7 @@
         <p:txBody>
           <a:bodyPr/>
           <a:p>
-            <a:fld id="{68DB3453-3613-41B1-ABA8-66CE7C3EB30D}" type="slidenum">
+            <a:fld id="{7977C9E4-6205-46FE-A4B7-19781E6C81B2}" type="slidenum">
               <a:t>&lt;#&gt;</a:t>
             </a:fld>
           </a:p>
@@ -4280,7 +4281,7 @@
         <p:txBody>
           <a:bodyPr/>
           <a:p>
-            <a:fld id="{66741DD4-1B99-4B62-9641-DF75CC88C3A7}" type="slidenum">
+            <a:fld id="{074791C5-3F0F-47D2-821E-4E3E5F6F3ABD}" type="slidenum">
               <a:t>&lt;#&gt;</a:t>
             </a:fld>
           </a:p>
@@ -4502,7 +4503,7 @@
         <p:txBody>
           <a:bodyPr/>
           <a:p>
-            <a:fld id="{87E70B1A-0E97-464C-87F0-5F80F5782EC6}" type="slidenum">
+            <a:fld id="{1BA97DF8-5D98-481D-A7C5-CA34A971DA9C}" type="slidenum">
               <a:t>&lt;#&gt;</a:t>
             </a:fld>
           </a:p>
@@ -4617,7 +4618,7 @@
         <p:spPr>
           <a:xfrm>
             <a:off x="4038480" y="6356520"/>
-            <a:ext cx="4112640" cy="362880"/>
+            <a:ext cx="4110840" cy="361080"/>
           </a:xfrm>
           <a:prstGeom prst="rect">
             <a:avLst/>
@@ -4674,7 +4675,7 @@
         <p:spPr>
           <a:xfrm>
             <a:off x="8610480" y="6356520"/>
-            <a:ext cx="2741040" cy="362880"/>
+            <a:ext cx="2739240" cy="361080"/>
           </a:xfrm>
           <a:prstGeom prst="rect">
             <a:avLst/>
@@ -4709,7 +4710,7 @@
               </a:lnSpc>
               <a:buNone/>
             </a:pPr>
-            <a:fld id="{6BFD4B51-DEC1-4BF0-B178-E4C1A9297760}" type="slidenum">
+            <a:fld id="{05863219-18F0-4F34-8294-CABC0D1D3AAE}" type="slidenum">
               <a:rPr b="0" lang="en-US" sz="1200" spc="-1" strike="noStrike">
                 <a:solidFill>
                   <a:srgbClr val="8b8b8b"/>
@@ -4737,7 +4738,7 @@
         <p:spPr>
           <a:xfrm>
             <a:off x="838080" y="6356520"/>
-            <a:ext cx="2741040" cy="362880"/>
+            <a:ext cx="2739240" cy="361080"/>
           </a:xfrm>
           <a:prstGeom prst="rect">
             <a:avLst/>
@@ -5047,7 +5048,7 @@
         <p:spPr>
           <a:xfrm>
             <a:off x="4038480" y="6356520"/>
-            <a:ext cx="4112640" cy="362880"/>
+            <a:ext cx="4110840" cy="361080"/>
           </a:xfrm>
           <a:prstGeom prst="rect">
             <a:avLst/>
@@ -5104,7 +5105,7 @@
         <p:spPr>
           <a:xfrm>
             <a:off x="8610480" y="6356520"/>
-            <a:ext cx="2741040" cy="362880"/>
+            <a:ext cx="2739240" cy="361080"/>
           </a:xfrm>
           <a:prstGeom prst="rect">
             <a:avLst/>
@@ -5139,7 +5140,7 @@
               </a:lnSpc>
               <a:buNone/>
             </a:pPr>
-            <a:fld id="{5BFD45FC-3FF6-4EA0-8E8E-A32AC4F49E33}" type="slidenum">
+            <a:fld id="{AC5D1635-45AF-4F3B-8384-73FEAF697AD8}" type="slidenum">
               <a:rPr b="0" lang="en-US" sz="1200" spc="-1" strike="noStrike">
                 <a:solidFill>
                   <a:srgbClr val="8b8b8b"/>
@@ -5167,7 +5168,7 @@
         <p:spPr>
           <a:xfrm>
             <a:off x="838080" y="6356520"/>
-            <a:ext cx="2741040" cy="362880"/>
+            <a:ext cx="2739240" cy="361080"/>
           </a:xfrm>
           <a:prstGeom prst="rect">
             <a:avLst/>
@@ -5522,7 +5523,7 @@
         <p:spPr>
           <a:xfrm>
             <a:off x="2340000" y="2700000"/>
-            <a:ext cx="8213400" cy="1571760"/>
+            <a:ext cx="8211600" cy="1569960"/>
           </a:xfrm>
           <a:prstGeom prst="roundRect">
             <a:avLst>
@@ -5630,10 +5631,10 @@
 </file>
 
 <file path=ppt/slides/slide10.xml><?xml version="1.0" encoding="utf-8"?>
-<p:sld xmlns:r="http://schemas.openxmlformats.org/officeDocument/2006/relationships" xmlns:c="http://schemas.openxmlformats.org/drawingml/2006/chart" xmlns:a="http://schemas.openxmlformats.org/drawingml/2006/main" xmlns:dgm="http://schemas.openxmlformats.org/drawingml/2006/diagram" xmlns:dsp="http://schemas.microsoft.com/office/drawing/2008/diagram" xmlns:p="http://schemas.openxmlformats.org/presentationml/2006/main">
+<p:sld xmlns:a="http://schemas.openxmlformats.org/drawingml/2006/main" xmlns:p="http://schemas.openxmlformats.org/presentationml/2006/main" xmlns:r="http://schemas.openxmlformats.org/officeDocument/2006/relationships" xmlns:p14="http://schemas.microsoft.com/office/powerpoint/2010/main" xmlns:p15="http://schemas.microsoft.com/office/powerpoint/2012/main" xmlns:mc="http://schemas.openxmlformats.org/markup-compatibility/2006">
   <p:cSld>
     <p:bg>
-      <p:bgPr shadeToTitle="0">
+      <p:bgPr>
         <a:solidFill>
           <a:srgbClr val="e9d5cc"/>
         </a:solidFill>
@@ -5655,14 +5656,14 @@
       </p:grpSpPr>
       <p:sp>
         <p:nvSpPr>
-          <p:cNvPr id="97" name="사각형: 둥근 모서리 11"/>
+          <p:cNvPr id="99" name="사각형: 둥근 모서리 14"/>
           <p:cNvSpPr/>
           <p:nvPr/>
         </p:nvSpPr>
         <p:spPr>
           <a:xfrm>
             <a:off x="276120" y="171360"/>
-            <a:ext cx="11637000" cy="1087920"/>
+            <a:ext cx="11635200" cy="1086120"/>
           </a:xfrm>
           <a:prstGeom prst="roundRect">
             <a:avLst>
@@ -5679,7 +5680,7 @@
             <a:noFill/>
           </a:ln>
           <a:effectLst>
-            <a:outerShdw blurRad="241200" dist="203040" dir="5400000" algn="t" rotWithShape="0">
+            <a:outerShdw algn="t" blurRad="241200" dir="5400000" dist="203040" rotWithShape="0">
               <a:srgbClr val="000000">
                 <a:alpha val="12000"/>
               </a:srgbClr>
@@ -5698,12 +5699,10 @@
           <a:effectRef idx="0">
             <a:schemeClr val="accent1"/>
           </a:effectRef>
-          <a:fontRef idx="minor">
-            <a:schemeClr val="tx1"/>
-          </a:fontRef>
+          <a:fontRef idx="minor"/>
         </p:style>
         <p:txBody>
-          <a:bodyPr lIns="90000" tIns="45000" rIns="90000" bIns="45000" anchor="ctr">
+          <a:bodyPr lIns="90000" rIns="90000" tIns="45000" bIns="45000" anchor="ctr">
             <a:noAutofit/>
           </a:bodyPr>
           <a:p>
@@ -5712,40 +5711,206 @@
                 <a:spcPct val="100000"/>
               </a:lnSpc>
               <a:buNone/>
-              <a:defRPr/>
             </a:pPr>
             <a:r>
-              <a:rPr lang="en-US" sz="2800" b="1" strike="noStrike" spc="-1">
+              <a:rPr b="1" lang="en-US" sz="2800" spc="-1" strike="noStrike">
                 <a:solidFill>
                   <a:srgbClr val="ffffff"/>
                 </a:solidFill>
                 <a:latin typeface="Arial"/>
                 <a:ea typeface="DejaVu Sans"/>
               </a:rPr>
-              <a:t>Main content 3</a:t>
-            </a:r>
-            <a:endParaRPr lang="en-US" sz="2800" b="0" strike="noStrike" spc="-1">
-              <a:latin typeface="Noto Sans CJK KR"/>
-            </a:endParaRPr>
-          </a:p>
-        </p:txBody>
+              <a:t>World Cloud</a:t>
+            </a:r>
+            <a:endParaRPr b="0" lang="en-US" sz="2800" spc="-1" strike="noStrike">
+              <a:latin typeface="Noto Sans CJK KR"/>
+            </a:endParaRPr>
+          </a:p>
+        </p:txBody>
+      </p:sp>
+      <p:sp>
+        <p:nvSpPr>
+          <p:cNvPr id="100" name="사각형: 둥근 모서리 1"/>
+          <p:cNvSpPr/>
+          <p:nvPr/>
+        </p:nvSpPr>
+        <p:spPr>
+          <a:xfrm>
+            <a:off x="276480" y="1643040"/>
+            <a:ext cx="11635200" cy="5037480"/>
+          </a:xfrm>
+          <a:prstGeom prst="roundRect">
+            <a:avLst>
+              <a:gd name="adj" fmla="val 2866"/>
+            </a:avLst>
+          </a:prstGeom>
+          <a:solidFill>
+            <a:srgbClr val="f0ebe7"/>
+          </a:solidFill>
+          <a:ln>
+            <a:noFill/>
+          </a:ln>
+          <a:effectLst>
+            <a:outerShdw algn="t" blurRad="241200" dir="5400000" dist="203040" rotWithShape="0">
+              <a:srgbClr val="000000">
+                <a:alpha val="12000"/>
+              </a:srgbClr>
+            </a:outerShdw>
+          </a:effectLst>
+        </p:spPr>
+        <p:style>
+          <a:lnRef idx="2">
+            <a:schemeClr val="accent1">
+              <a:shade val="50000"/>
+            </a:schemeClr>
+          </a:lnRef>
+          <a:fillRef idx="1">
+            <a:schemeClr val="accent1"/>
+          </a:fillRef>
+          <a:effectRef idx="0">
+            <a:schemeClr val="accent1"/>
+          </a:effectRef>
+          <a:fontRef idx="minor"/>
+        </p:style>
       </p:sp>
     </p:spTree>
-    <p:extLst>
-      <p:ext uri="{BB962C8B-B14F-4D97-AF65-F5344CB8AC3E}">
-        <p14:creationId xmlns:p14="http://schemas.microsoft.com/office/powerpoint/2010/main" val="2448411217"/>
-      </p:ext>
-    </p:extLst>
   </p:cSld>
-  <p:clrMapOvr>
-    <a:masterClrMapping/>
-  </p:clrMapOvr>
-  <mc:AlternateContent xmlns:mc="http://schemas.openxmlformats.org/markup-compatibility/2006">
-    <mc:Choice xmlns:p14="http://schemas.microsoft.com/office/powerpoint/2010/main" Requires="p14">
-      <p:transition xmlns:mc="http://schemas.openxmlformats.org/markup-compatibility/2006" xmlns:p14="http://schemas.microsoft.com/office/powerpoint/2010/main" spd="med" mc:Ignorable="p14" p14:dur="2000"/>
+  <mc:AlternateContent>
+    <mc:Choice Requires="p14">
+      <p:transition spd="slow" p14:dur="2000"/>
     </mc:Choice>
     <mc:Fallback>
-      <p:transition/>
+      <p:transition spd="slow"/>
+    </mc:Fallback>
+  </mc:AlternateContent>
+</p:sld>
+</file>
+
+<file path=ppt/slides/slide11.xml><?xml version="1.0" encoding="utf-8"?>
+<p:sld xmlns:a="http://schemas.openxmlformats.org/drawingml/2006/main" xmlns:p="http://schemas.openxmlformats.org/presentationml/2006/main" xmlns:r="http://schemas.openxmlformats.org/officeDocument/2006/relationships" xmlns:p14="http://schemas.microsoft.com/office/powerpoint/2010/main" xmlns:p15="http://schemas.microsoft.com/office/powerpoint/2012/main" xmlns:mc="http://schemas.openxmlformats.org/markup-compatibility/2006">
+  <p:cSld>
+    <p:bg>
+      <p:bgPr>
+        <a:solidFill>
+          <a:srgbClr val="e9d5cc"/>
+        </a:solidFill>
+      </p:bgPr>
+    </p:bg>
+    <p:spTree>
+      <p:nvGrpSpPr>
+        <p:cNvPr id="1" name=""/>
+        <p:cNvGrpSpPr/>
+        <p:nvPr/>
+      </p:nvGrpSpPr>
+      <p:grpSpPr>
+        <a:xfrm>
+          <a:off x="0" y="0"/>
+          <a:ext cx="0" cy="0"/>
+          <a:chOff x="0" y="0"/>
+          <a:chExt cx="0" cy="0"/>
+        </a:xfrm>
+      </p:grpSpPr>
+      <p:sp>
+        <p:nvSpPr>
+          <p:cNvPr id="101" name="사각형: 둥근 모서리 17"/>
+          <p:cNvSpPr/>
+          <p:nvPr/>
+        </p:nvSpPr>
+        <p:spPr>
+          <a:xfrm>
+            <a:off x="276120" y="171360"/>
+            <a:ext cx="11635200" cy="1086120"/>
+          </a:xfrm>
+          <a:prstGeom prst="roundRect">
+            <a:avLst>
+              <a:gd name="adj" fmla="val 16667"/>
+            </a:avLst>
+          </a:prstGeom>
+          <a:solidFill>
+            <a:schemeClr val="tx1">
+              <a:lumMod val="85000"/>
+              <a:lumOff val="15000"/>
+            </a:schemeClr>
+          </a:solidFill>
+          <a:ln>
+            <a:noFill/>
+          </a:ln>
+          <a:effectLst>
+            <a:outerShdw algn="t" blurRad="241200" dir="5400000" dist="203040" rotWithShape="0">
+              <a:srgbClr val="000000">
+                <a:alpha val="12000"/>
+              </a:srgbClr>
+            </a:outerShdw>
+          </a:effectLst>
+        </p:spPr>
+        <p:style>
+          <a:lnRef idx="2">
+            <a:schemeClr val="accent1">
+              <a:shade val="50000"/>
+            </a:schemeClr>
+          </a:lnRef>
+          <a:fillRef idx="1">
+            <a:schemeClr val="accent1"/>
+          </a:fillRef>
+          <a:effectRef idx="0">
+            <a:schemeClr val="accent1"/>
+          </a:effectRef>
+          <a:fontRef idx="minor"/>
+        </p:style>
+      </p:sp>
+      <p:sp>
+        <p:nvSpPr>
+          <p:cNvPr id="102" name="사각형: 둥근 모서리 22"/>
+          <p:cNvSpPr/>
+          <p:nvPr/>
+        </p:nvSpPr>
+        <p:spPr>
+          <a:xfrm>
+            <a:off x="276120" y="1440000"/>
+            <a:ext cx="11635200" cy="5037480"/>
+          </a:xfrm>
+          <a:prstGeom prst="roundRect">
+            <a:avLst>
+              <a:gd name="adj" fmla="val 2866"/>
+            </a:avLst>
+          </a:prstGeom>
+          <a:solidFill>
+            <a:srgbClr val="f0ebe7"/>
+          </a:solidFill>
+          <a:ln>
+            <a:noFill/>
+          </a:ln>
+          <a:effectLst>
+            <a:outerShdw algn="t" blurRad="241200" dir="5400000" dist="203040" rotWithShape="0">
+              <a:srgbClr val="000000">
+                <a:alpha val="12000"/>
+              </a:srgbClr>
+            </a:outerShdw>
+          </a:effectLst>
+        </p:spPr>
+        <p:style>
+          <a:lnRef idx="2">
+            <a:schemeClr val="accent1">
+              <a:shade val="50000"/>
+            </a:schemeClr>
+          </a:lnRef>
+          <a:fillRef idx="1">
+            <a:schemeClr val="accent1"/>
+          </a:fillRef>
+          <a:effectRef idx="0">
+            <a:schemeClr val="accent1"/>
+          </a:effectRef>
+          <a:fontRef idx="minor"/>
+        </p:style>
+      </p:sp>
+    </p:spTree>
+  </p:cSld>
+  <mc:AlternateContent>
+    <mc:Choice Requires="p14">
+      <p:transition spd="slow" p14:dur="2000"/>
+    </mc:Choice>
+    <mc:Fallback>
+      <p:transition spd="slow"/>
     </mc:Fallback>
   </mc:AlternateContent>
 </p:sld>
@@ -5777,14 +5942,14 @@
       </p:grpSpPr>
       <p:sp>
         <p:nvSpPr>
-          <p:cNvPr id="83" name="사각형: 둥근 모서리 18"/>
+          <p:cNvPr id="83" name="사각형: 둥근 모서리 2"/>
           <p:cNvSpPr/>
           <p:nvPr/>
         </p:nvSpPr>
         <p:spPr>
           <a:xfrm>
             <a:off x="276120" y="171360"/>
-            <a:ext cx="11637000" cy="1087920"/>
+            <a:ext cx="11635200" cy="1086120"/>
           </a:xfrm>
           <a:prstGeom prst="roundRect">
             <a:avLst>
@@ -5822,43 +5987,17 @@
           </a:effectRef>
           <a:fontRef idx="minor"/>
         </p:style>
-        <p:txBody>
-          <a:bodyPr lIns="90000" rIns="90000" tIns="45000" bIns="45000" anchor="ctr">
-            <a:noAutofit/>
-          </a:bodyPr>
-          <a:p>
-            <a:pPr>
-              <a:lnSpc>
-                <a:spcPct val="100000"/>
-              </a:lnSpc>
-              <a:buNone/>
-            </a:pPr>
-            <a:r>
-              <a:rPr b="1" lang="en-US" sz="2800" spc="-1" strike="noStrike">
-                <a:solidFill>
-                  <a:srgbClr val="ffffff"/>
-                </a:solidFill>
-                <a:latin typeface="Arial"/>
-                <a:ea typeface="DejaVu Sans"/>
-              </a:rPr>
-              <a:t>Main content 3</a:t>
-            </a:r>
-            <a:endParaRPr b="0" lang="en-US" sz="2800" spc="-1" strike="noStrike">
-              <a:latin typeface="Noto Sans CJK KR"/>
-            </a:endParaRPr>
-          </a:p>
-        </p:txBody>
-      </p:sp>
-      <p:sp>
-        <p:nvSpPr>
-          <p:cNvPr id="84" name="사각형: 둥근 모서리 19"/>
+      </p:sp>
+      <p:sp>
+        <p:nvSpPr>
+          <p:cNvPr id="84" name="사각형: 둥근 모서리 3"/>
           <p:cNvSpPr/>
           <p:nvPr/>
         </p:nvSpPr>
         <p:spPr>
           <a:xfrm>
             <a:off x="276120" y="1440000"/>
-            <a:ext cx="11637000" cy="5039280"/>
+            <a:ext cx="11635200" cy="5037480"/>
           </a:xfrm>
           <a:prstGeom prst="roundRect">
             <a:avLst>
@@ -5893,32 +6032,6 @@
           </a:effectRef>
           <a:fontRef idx="minor"/>
         </p:style>
-        <p:txBody>
-          <a:bodyPr lIns="90000" rIns="90000" tIns="45000" bIns="45000" anchor="t">
-            <a:noAutofit/>
-          </a:bodyPr>
-          <a:p>
-            <a:pPr>
-              <a:lnSpc>
-                <a:spcPct val="100000"/>
-              </a:lnSpc>
-              <a:buNone/>
-            </a:pPr>
-            <a:r>
-              <a:rPr b="0" lang="en-US" sz="2600" spc="-1" strike="noStrike">
-                <a:solidFill>
-                  <a:srgbClr val="000000"/>
-                </a:solidFill>
-                <a:latin typeface="Arial"/>
-                <a:ea typeface="DejaVu Sans"/>
-              </a:rPr>
-              <a:t>The paper presents the technical contributions of the study, including the 3D-QAE architecture, a data normalization scheme, and a quantum gate sequence for improved information propagation. It discusses related work on classical auto-encoders, quantum machine learning, and quantum computer vision and graphics.</a:t>
-            </a:r>
-            <a:endParaRPr b="0" lang="en-US" sz="2600" spc="-1" strike="noStrike">
-              <a:latin typeface="Noto Sans CJK KR"/>
-            </a:endParaRPr>
-          </a:p>
-        </p:txBody>
       </p:sp>
     </p:spTree>
   </p:cSld>
@@ -5959,14 +6072,14 @@
       </p:grpSpPr>
       <p:sp>
         <p:nvSpPr>
-          <p:cNvPr id="85" name="사각형: 둥근 모서리 20"/>
+          <p:cNvPr id="85" name="사각형: 둥근 모서리 4"/>
           <p:cNvSpPr/>
           <p:nvPr/>
         </p:nvSpPr>
         <p:spPr>
           <a:xfrm>
             <a:off x="276120" y="171360"/>
-            <a:ext cx="11637000" cy="1087920"/>
+            <a:ext cx="11635200" cy="1086120"/>
           </a:xfrm>
           <a:prstGeom prst="roundRect">
             <a:avLst>
@@ -6004,43 +6117,17 @@
           </a:effectRef>
           <a:fontRef idx="minor"/>
         </p:style>
-        <p:txBody>
-          <a:bodyPr lIns="90000" rIns="90000" tIns="45000" bIns="45000" anchor="ctr">
-            <a:noAutofit/>
-          </a:bodyPr>
-          <a:p>
-            <a:pPr>
-              <a:lnSpc>
-                <a:spcPct val="100000"/>
-              </a:lnSpc>
-              <a:buNone/>
-            </a:pPr>
-            <a:r>
-              <a:rPr b="1" lang="en-US" sz="2800" spc="-1" strike="noStrike">
-                <a:solidFill>
-                  <a:srgbClr val="ffffff"/>
-                </a:solidFill>
-                <a:latin typeface="Arial"/>
-                <a:ea typeface="DejaVu Sans"/>
-              </a:rPr>
-              <a:t>Main content 3</a:t>
-            </a:r>
-            <a:endParaRPr b="0" lang="en-US" sz="2800" spc="-1" strike="noStrike">
-              <a:latin typeface="Noto Sans CJK KR"/>
-            </a:endParaRPr>
-          </a:p>
-        </p:txBody>
-      </p:sp>
-      <p:sp>
-        <p:nvSpPr>
-          <p:cNvPr id="86" name="사각형: 둥근 모서리 21"/>
+      </p:sp>
+      <p:sp>
+        <p:nvSpPr>
+          <p:cNvPr id="86" name="사각형: 둥근 모서리 5"/>
           <p:cNvSpPr/>
           <p:nvPr/>
         </p:nvSpPr>
         <p:spPr>
           <a:xfrm>
             <a:off x="276120" y="1440000"/>
-            <a:ext cx="11637000" cy="5039280"/>
+            <a:ext cx="11635200" cy="5037480"/>
           </a:xfrm>
           <a:prstGeom prst="roundRect">
             <a:avLst>
@@ -6075,32 +6162,6 @@
           </a:effectRef>
           <a:fontRef idx="minor"/>
         </p:style>
-        <p:txBody>
-          <a:bodyPr lIns="90000" rIns="90000" tIns="45000" bIns="45000" anchor="t">
-            <a:noAutofit/>
-          </a:bodyPr>
-          <a:p>
-            <a:pPr>
-              <a:lnSpc>
-                <a:spcPct val="100000"/>
-              </a:lnSpc>
-              <a:buNone/>
-            </a:pPr>
-            <a:r>
-              <a:rPr b="0" lang="en-US" sz="2600" spc="-1" strike="noStrike">
-                <a:solidFill>
-                  <a:srgbClr val="000000"/>
-                </a:solidFill>
-                <a:latin typeface="Arial"/>
-                <a:ea typeface="DejaVu Sans"/>
-              </a:rPr>
-              <a:t>The paper presents the technical contributions of the study, including the 3D-QAE architecture, a data normalization scheme, and a quantum gate sequence for improved information propagation. It discusses related work on classical auto-encoders, quantum machine learning, and quantum computer vision and graphics.</a:t>
-            </a:r>
-            <a:endParaRPr b="0" lang="en-US" sz="2600" spc="-1" strike="noStrike">
-              <a:latin typeface="Noto Sans CJK KR"/>
-            </a:endParaRPr>
-          </a:p>
-        </p:txBody>
       </p:sp>
     </p:spTree>
   </p:cSld>
@@ -6141,14 +6202,14 @@
       </p:grpSpPr>
       <p:sp>
         <p:nvSpPr>
-          <p:cNvPr id="87" name="사각형: 둥근 모서리 5"/>
+          <p:cNvPr id="87" name="사각형: 둥근 모서리 6"/>
           <p:cNvSpPr/>
           <p:nvPr/>
         </p:nvSpPr>
         <p:spPr>
           <a:xfrm>
             <a:off x="276120" y="171360"/>
-            <a:ext cx="11637000" cy="1087920"/>
+            <a:ext cx="11635200" cy="1086120"/>
           </a:xfrm>
           <a:prstGeom prst="roundRect">
             <a:avLst>
@@ -6186,43 +6247,17 @@
           </a:effectRef>
           <a:fontRef idx="minor"/>
         </p:style>
-        <p:txBody>
-          <a:bodyPr lIns="90000" rIns="90000" tIns="45000" bIns="45000" anchor="ctr">
-            <a:noAutofit/>
-          </a:bodyPr>
-          <a:p>
-            <a:pPr>
-              <a:lnSpc>
-                <a:spcPct val="100000"/>
-              </a:lnSpc>
-              <a:buNone/>
-            </a:pPr>
-            <a:r>
-              <a:rPr b="1" lang="en-US" sz="2800" spc="-1" strike="noStrike">
-                <a:solidFill>
-                  <a:srgbClr val="ffffff"/>
-                </a:solidFill>
-                <a:latin typeface="Arial"/>
-                <a:ea typeface="DejaVu Sans"/>
-              </a:rPr>
-              <a:t>Main content 3</a:t>
-            </a:r>
-            <a:endParaRPr b="0" lang="en-US" sz="2800" spc="-1" strike="noStrike">
-              <a:latin typeface="Noto Sans CJK KR"/>
-            </a:endParaRPr>
-          </a:p>
-        </p:txBody>
-      </p:sp>
-      <p:sp>
-        <p:nvSpPr>
-          <p:cNvPr id="88" name="사각형: 둥근 모서리 6"/>
+      </p:sp>
+      <p:sp>
+        <p:nvSpPr>
+          <p:cNvPr id="88" name="사각형: 둥근 모서리 7"/>
           <p:cNvSpPr/>
           <p:nvPr/>
         </p:nvSpPr>
         <p:spPr>
           <a:xfrm>
             <a:off x="276120" y="1440000"/>
-            <a:ext cx="11637000" cy="5039280"/>
+            <a:ext cx="11635200" cy="5037480"/>
           </a:xfrm>
           <a:prstGeom prst="roundRect">
             <a:avLst>
@@ -6257,32 +6292,6 @@
           </a:effectRef>
           <a:fontRef idx="minor"/>
         </p:style>
-        <p:txBody>
-          <a:bodyPr lIns="90000" rIns="90000" tIns="45000" bIns="45000" anchor="t">
-            <a:noAutofit/>
-          </a:bodyPr>
-          <a:p>
-            <a:pPr>
-              <a:lnSpc>
-                <a:spcPct val="100000"/>
-              </a:lnSpc>
-              <a:buNone/>
-            </a:pPr>
-            <a:r>
-              <a:rPr b="0" lang="en-US" sz="2600" spc="-1" strike="noStrike">
-                <a:solidFill>
-                  <a:srgbClr val="000000"/>
-                </a:solidFill>
-                <a:latin typeface="Arial"/>
-                <a:ea typeface="DejaVu Sans"/>
-              </a:rPr>
-              <a:t>The paper presents the technical contributions of the study, including the 3D-QAE architecture, a data normalization scheme, and a quantum gate sequence for improved information propagation. It discusses related work on classical auto-encoders, quantum machine learning, and quantum computer vision and graphics.</a:t>
-            </a:r>
-            <a:endParaRPr b="0" lang="en-US" sz="2600" spc="-1" strike="noStrike">
-              <a:latin typeface="Noto Sans CJK KR"/>
-            </a:endParaRPr>
-          </a:p>
-        </p:txBody>
       </p:sp>
     </p:spTree>
   </p:cSld>
@@ -6323,14 +6332,14 @@
       </p:grpSpPr>
       <p:sp>
         <p:nvSpPr>
-          <p:cNvPr id="89" name="사각형: 둥근 모서리 12"/>
+          <p:cNvPr id="89" name="사각형: 둥근 모서리 8"/>
           <p:cNvSpPr/>
           <p:nvPr/>
         </p:nvSpPr>
         <p:spPr>
           <a:xfrm>
             <a:off x="276120" y="171360"/>
-            <a:ext cx="11637000" cy="1087920"/>
+            <a:ext cx="11635200" cy="1086120"/>
           </a:xfrm>
           <a:prstGeom prst="roundRect">
             <a:avLst>
@@ -6368,43 +6377,17 @@
           </a:effectRef>
           <a:fontRef idx="minor"/>
         </p:style>
-        <p:txBody>
-          <a:bodyPr lIns="90000" rIns="90000" tIns="45000" bIns="45000" anchor="ctr">
-            <a:noAutofit/>
-          </a:bodyPr>
-          <a:p>
-            <a:pPr>
-              <a:lnSpc>
-                <a:spcPct val="100000"/>
-              </a:lnSpc>
-              <a:buNone/>
-            </a:pPr>
-            <a:r>
-              <a:rPr b="1" lang="en-US" sz="2800" spc="-1" strike="noStrike">
-                <a:solidFill>
-                  <a:srgbClr val="ffffff"/>
-                </a:solidFill>
-                <a:latin typeface="Arial"/>
-                <a:ea typeface="DejaVu Sans"/>
-              </a:rPr>
-              <a:t>Main content 3</a:t>
-            </a:r>
-            <a:endParaRPr b="0" lang="en-US" sz="2800" spc="-1" strike="noStrike">
-              <a:latin typeface="Noto Sans CJK KR"/>
-            </a:endParaRPr>
-          </a:p>
-        </p:txBody>
-      </p:sp>
-      <p:sp>
-        <p:nvSpPr>
-          <p:cNvPr id="90" name="사각형: 둥근 모서리 2"/>
+      </p:sp>
+      <p:sp>
+        <p:nvSpPr>
+          <p:cNvPr id="90" name="사각형: 둥근 모서리 9"/>
           <p:cNvSpPr/>
           <p:nvPr/>
         </p:nvSpPr>
         <p:spPr>
           <a:xfrm>
             <a:off x="276120" y="1440000"/>
-            <a:ext cx="11637000" cy="5039280"/>
+            <a:ext cx="11635200" cy="5037480"/>
           </a:xfrm>
           <a:prstGeom prst="roundRect">
             <a:avLst>
@@ -6439,32 +6422,6 @@
           </a:effectRef>
           <a:fontRef idx="minor"/>
         </p:style>
-        <p:txBody>
-          <a:bodyPr lIns="90000" rIns="90000" tIns="45000" bIns="45000" anchor="t">
-            <a:noAutofit/>
-          </a:bodyPr>
-          <a:p>
-            <a:pPr>
-              <a:lnSpc>
-                <a:spcPct val="100000"/>
-              </a:lnSpc>
-              <a:buNone/>
-            </a:pPr>
-            <a:r>
-              <a:rPr b="0" lang="en-US" sz="2600" spc="-1" strike="noStrike">
-                <a:solidFill>
-                  <a:srgbClr val="000000"/>
-                </a:solidFill>
-                <a:latin typeface="Arial"/>
-                <a:ea typeface="DejaVu Sans"/>
-              </a:rPr>
-              <a:t>The paper presents the technical contributions of the study, including the 3D-QAE architecture, a data normalization scheme, and a quantum gate sequence for improved information propagation. It discusses related work on classical auto-encoders, quantum machine learning, and quantum computer vision and graphics.</a:t>
-            </a:r>
-            <a:endParaRPr b="0" lang="en-US" sz="2600" spc="-1" strike="noStrike">
-              <a:latin typeface="Noto Sans CJK KR"/>
-            </a:endParaRPr>
-          </a:p>
-        </p:txBody>
       </p:sp>
     </p:spTree>
   </p:cSld>
@@ -6505,14 +6462,14 @@
       </p:grpSpPr>
       <p:sp>
         <p:nvSpPr>
-          <p:cNvPr id="91" name="사각형: 둥근 모서리 3"/>
+          <p:cNvPr id="91" name="사각형: 둥근 모서리 10"/>
           <p:cNvSpPr/>
           <p:nvPr/>
         </p:nvSpPr>
         <p:spPr>
           <a:xfrm>
             <a:off x="276120" y="171360"/>
-            <a:ext cx="11637000" cy="1087920"/>
+            <a:ext cx="11635200" cy="1086120"/>
           </a:xfrm>
           <a:prstGeom prst="roundRect">
             <a:avLst>
@@ -6550,43 +6507,17 @@
           </a:effectRef>
           <a:fontRef idx="minor"/>
         </p:style>
-        <p:txBody>
-          <a:bodyPr lIns="90000" rIns="90000" tIns="45000" bIns="45000" anchor="ctr">
-            <a:noAutofit/>
-          </a:bodyPr>
-          <a:p>
-            <a:pPr>
-              <a:lnSpc>
-                <a:spcPct val="100000"/>
-              </a:lnSpc>
-              <a:buNone/>
-            </a:pPr>
-            <a:r>
-              <a:rPr b="1" lang="en-US" sz="2800" spc="-1" strike="noStrike">
-                <a:solidFill>
-                  <a:srgbClr val="ffffff"/>
-                </a:solidFill>
-                <a:latin typeface="Arial"/>
-                <a:ea typeface="DejaVu Sans"/>
-              </a:rPr>
-              <a:t>Main content 3</a:t>
-            </a:r>
-            <a:endParaRPr b="0" lang="en-US" sz="2800" spc="-1" strike="noStrike">
-              <a:latin typeface="Noto Sans CJK KR"/>
-            </a:endParaRPr>
-          </a:p>
-        </p:txBody>
-      </p:sp>
-      <p:sp>
-        <p:nvSpPr>
-          <p:cNvPr id="92" name="사각형: 둥근 모서리 4"/>
+      </p:sp>
+      <p:sp>
+        <p:nvSpPr>
+          <p:cNvPr id="92" name="사각형: 둥근 모서리 11"/>
           <p:cNvSpPr/>
           <p:nvPr/>
         </p:nvSpPr>
         <p:spPr>
           <a:xfrm>
             <a:off x="276120" y="1440000"/>
-            <a:ext cx="11637000" cy="5039280"/>
+            <a:ext cx="11635200" cy="5037480"/>
           </a:xfrm>
           <a:prstGeom prst="roundRect">
             <a:avLst>
@@ -6621,32 +6552,6 @@
           </a:effectRef>
           <a:fontRef idx="minor"/>
         </p:style>
-        <p:txBody>
-          <a:bodyPr lIns="90000" rIns="90000" tIns="45000" bIns="45000" anchor="t">
-            <a:noAutofit/>
-          </a:bodyPr>
-          <a:p>
-            <a:pPr>
-              <a:lnSpc>
-                <a:spcPct val="100000"/>
-              </a:lnSpc>
-              <a:buNone/>
-            </a:pPr>
-            <a:r>
-              <a:rPr b="0" lang="en-US" sz="2600" spc="-1" strike="noStrike">
-                <a:solidFill>
-                  <a:srgbClr val="000000"/>
-                </a:solidFill>
-                <a:latin typeface="Arial"/>
-                <a:ea typeface="DejaVu Sans"/>
-              </a:rPr>
-              <a:t>The paper presents the technical contributions of the study, including the 3D-QAE architecture, a data normalization scheme, and a quantum gate sequence for improved information propagation. It discusses related work on classical auto-encoders, quantum machine learning, and quantum computer vision and graphics.</a:t>
-            </a:r>
-            <a:endParaRPr b="0" lang="en-US" sz="2600" spc="-1" strike="noStrike">
-              <a:latin typeface="Noto Sans CJK KR"/>
-            </a:endParaRPr>
-          </a:p>
-        </p:txBody>
       </p:sp>
     </p:spTree>
   </p:cSld>
@@ -6687,14 +6592,14 @@
       </p:grpSpPr>
       <p:sp>
         <p:nvSpPr>
-          <p:cNvPr id="93" name="사각형: 둥근 모서리 7"/>
+          <p:cNvPr id="93" name="사각형: 둥근 모서리 12"/>
           <p:cNvSpPr/>
           <p:nvPr/>
         </p:nvSpPr>
         <p:spPr>
           <a:xfrm>
             <a:off x="276120" y="171360"/>
-            <a:ext cx="11637000" cy="1087920"/>
+            <a:ext cx="11635200" cy="1086120"/>
           </a:xfrm>
           <a:prstGeom prst="roundRect">
             <a:avLst>
@@ -6732,43 +6637,17 @@
           </a:effectRef>
           <a:fontRef idx="minor"/>
         </p:style>
-        <p:txBody>
-          <a:bodyPr lIns="90000" rIns="90000" tIns="45000" bIns="45000" anchor="ctr">
-            <a:noAutofit/>
-          </a:bodyPr>
-          <a:p>
-            <a:pPr>
-              <a:lnSpc>
-                <a:spcPct val="100000"/>
-              </a:lnSpc>
-              <a:buNone/>
-            </a:pPr>
-            <a:r>
-              <a:rPr b="1" lang="en-US" sz="2800" spc="-1" strike="noStrike">
-                <a:solidFill>
-                  <a:srgbClr val="ffffff"/>
-                </a:solidFill>
-                <a:latin typeface="Arial"/>
-                <a:ea typeface="DejaVu Sans"/>
-              </a:rPr>
-              <a:t>Main content 3</a:t>
-            </a:r>
-            <a:endParaRPr b="0" lang="en-US" sz="2800" spc="-1" strike="noStrike">
-              <a:latin typeface="Noto Sans CJK KR"/>
-            </a:endParaRPr>
-          </a:p>
-        </p:txBody>
-      </p:sp>
-      <p:sp>
-        <p:nvSpPr>
-          <p:cNvPr id="94" name="사각형: 둥근 모서리 8"/>
+      </p:sp>
+      <p:sp>
+        <p:nvSpPr>
+          <p:cNvPr id="94" name="사각형: 둥근 모서리 13"/>
           <p:cNvSpPr/>
           <p:nvPr/>
         </p:nvSpPr>
         <p:spPr>
           <a:xfrm>
             <a:off x="276120" y="1440000"/>
-            <a:ext cx="11637000" cy="5039280"/>
+            <a:ext cx="11635200" cy="5037480"/>
           </a:xfrm>
           <a:prstGeom prst="roundRect">
             <a:avLst>
@@ -6803,32 +6682,6 @@
           </a:effectRef>
           <a:fontRef idx="minor"/>
         </p:style>
-        <p:txBody>
-          <a:bodyPr lIns="90000" rIns="90000" tIns="45000" bIns="45000" anchor="t">
-            <a:noAutofit/>
-          </a:bodyPr>
-          <a:p>
-            <a:pPr>
-              <a:lnSpc>
-                <a:spcPct val="100000"/>
-              </a:lnSpc>
-              <a:buNone/>
-            </a:pPr>
-            <a:r>
-              <a:rPr b="0" lang="en-US" sz="2600" spc="-1" strike="noStrike">
-                <a:solidFill>
-                  <a:srgbClr val="000000"/>
-                </a:solidFill>
-                <a:latin typeface="Arial"/>
-                <a:ea typeface="DejaVu Sans"/>
-              </a:rPr>
-              <a:t>The paper presents the technical contributions of the study, including the 3D-QAE architecture, a data normalization scheme, and a quantum gate sequence for improved information propagation. It discusses related work on classical auto-encoders, quantum machine learning, and quantum computer vision and graphics.</a:t>
-            </a:r>
-            <a:endParaRPr b="0" lang="en-US" sz="2600" spc="-1" strike="noStrike">
-              <a:latin typeface="Noto Sans CJK KR"/>
-            </a:endParaRPr>
-          </a:p>
-        </p:txBody>
       </p:sp>
     </p:spTree>
   </p:cSld>
@@ -6869,14 +6722,14 @@
       </p:grpSpPr>
       <p:sp>
         <p:nvSpPr>
-          <p:cNvPr id="95" name="사각형: 둥근 모서리 9"/>
+          <p:cNvPr id="95" name="사각형: 둥근 모서리 18"/>
           <p:cNvSpPr/>
           <p:nvPr/>
         </p:nvSpPr>
         <p:spPr>
           <a:xfrm>
             <a:off x="276120" y="171360"/>
-            <a:ext cx="11637000" cy="1087920"/>
+            <a:ext cx="11635200" cy="1086120"/>
           </a:xfrm>
           <a:prstGeom prst="roundRect">
             <a:avLst>
@@ -6914,43 +6767,17 @@
           </a:effectRef>
           <a:fontRef idx="minor"/>
         </p:style>
-        <p:txBody>
-          <a:bodyPr lIns="90000" rIns="90000" tIns="45000" bIns="45000" anchor="ctr">
-            <a:noAutofit/>
-          </a:bodyPr>
-          <a:p>
-            <a:pPr>
-              <a:lnSpc>
-                <a:spcPct val="100000"/>
-              </a:lnSpc>
-              <a:buNone/>
-            </a:pPr>
-            <a:r>
-              <a:rPr b="1" lang="en-US" sz="2800" spc="-1" strike="noStrike">
-                <a:solidFill>
-                  <a:srgbClr val="ffffff"/>
-                </a:solidFill>
-                <a:latin typeface="Arial"/>
-                <a:ea typeface="DejaVu Sans"/>
-              </a:rPr>
-              <a:t>Main content 3</a:t>
-            </a:r>
-            <a:endParaRPr b="0" lang="en-US" sz="2800" spc="-1" strike="noStrike">
-              <a:latin typeface="Noto Sans CJK KR"/>
-            </a:endParaRPr>
-          </a:p>
-        </p:txBody>
-      </p:sp>
-      <p:sp>
-        <p:nvSpPr>
-          <p:cNvPr id="96" name="사각형: 둥근 모서리 10"/>
+      </p:sp>
+      <p:sp>
+        <p:nvSpPr>
+          <p:cNvPr id="96" name="사각형: 둥근 모서리 19"/>
           <p:cNvSpPr/>
           <p:nvPr/>
         </p:nvSpPr>
         <p:spPr>
           <a:xfrm>
             <a:off x="276120" y="1440000"/>
-            <a:ext cx="11637000" cy="5039280"/>
+            <a:ext cx="11635200" cy="5037480"/>
           </a:xfrm>
           <a:prstGeom prst="roundRect">
             <a:avLst>
@@ -6985,32 +6812,6 @@
           </a:effectRef>
           <a:fontRef idx="minor"/>
         </p:style>
-        <p:txBody>
-          <a:bodyPr lIns="90000" rIns="90000" tIns="45000" bIns="45000" anchor="t">
-            <a:noAutofit/>
-          </a:bodyPr>
-          <a:p>
-            <a:pPr>
-              <a:lnSpc>
-                <a:spcPct val="100000"/>
-              </a:lnSpc>
-              <a:buNone/>
-            </a:pPr>
-            <a:r>
-              <a:rPr b="0" lang="en-US" sz="2600" spc="-1" strike="noStrike">
-                <a:solidFill>
-                  <a:srgbClr val="000000"/>
-                </a:solidFill>
-                <a:latin typeface="Arial"/>
-                <a:ea typeface="DejaVu Sans"/>
-              </a:rPr>
-              <a:t>The paper presents the technical contributions of the study, including the 3D-QAE architecture, a data normalization scheme, and a quantum gate sequence for improved information propagation. It discusses related work on classical auto-encoders, quantum machine learning, and quantum computer vision and graphics.</a:t>
-            </a:r>
-            <a:endParaRPr b="0" lang="en-US" sz="2600" spc="-1" strike="noStrike">
-              <a:latin typeface="Noto Sans CJK KR"/>
-            </a:endParaRPr>
-          </a:p>
-        </p:txBody>
       </p:sp>
     </p:spTree>
   </p:cSld>
@@ -7051,14 +6852,14 @@
       </p:grpSpPr>
       <p:sp>
         <p:nvSpPr>
-          <p:cNvPr id="97" name="사각형: 둥근 모서리 11"/>
+          <p:cNvPr id="97" name="사각형: 둥근 모서리 20"/>
           <p:cNvSpPr/>
           <p:nvPr/>
         </p:nvSpPr>
         <p:spPr>
           <a:xfrm>
             <a:off x="276120" y="171360"/>
-            <a:ext cx="11637000" cy="1087920"/>
+            <a:ext cx="11635200" cy="1086120"/>
           </a:xfrm>
           <a:prstGeom prst="roundRect">
             <a:avLst>
@@ -7096,43 +6897,17 @@
           </a:effectRef>
           <a:fontRef idx="minor"/>
         </p:style>
-        <p:txBody>
-          <a:bodyPr lIns="90000" rIns="90000" tIns="45000" bIns="45000" anchor="ctr">
-            <a:noAutofit/>
-          </a:bodyPr>
-          <a:p>
-            <a:pPr>
-              <a:lnSpc>
-                <a:spcPct val="100000"/>
-              </a:lnSpc>
-              <a:buNone/>
-            </a:pPr>
-            <a:r>
-              <a:rPr b="1" lang="en-US" sz="2800" spc="-1" strike="noStrike">
-                <a:solidFill>
-                  <a:srgbClr val="ffffff"/>
-                </a:solidFill>
-                <a:latin typeface="Arial"/>
-                <a:ea typeface="DejaVu Sans"/>
-              </a:rPr>
-              <a:t>Main content 3</a:t>
-            </a:r>
-            <a:endParaRPr b="0" lang="en-US" sz="2800" spc="-1" strike="noStrike">
-              <a:latin typeface="Noto Sans CJK KR"/>
-            </a:endParaRPr>
-          </a:p>
-        </p:txBody>
-      </p:sp>
-      <p:sp>
-        <p:nvSpPr>
-          <p:cNvPr id="98" name="사각형: 둥근 모서리 13"/>
+      </p:sp>
+      <p:sp>
+        <p:nvSpPr>
+          <p:cNvPr id="98" name="사각형: 둥근 모서리 21"/>
           <p:cNvSpPr/>
           <p:nvPr/>
         </p:nvSpPr>
         <p:spPr>
           <a:xfrm>
             <a:off x="276120" y="1440000"/>
-            <a:ext cx="11637000" cy="5039280"/>
+            <a:ext cx="11635200" cy="5037480"/>
           </a:xfrm>
           <a:prstGeom prst="roundRect">
             <a:avLst>
@@ -7167,32 +6942,6 @@
           </a:effectRef>
           <a:fontRef idx="minor"/>
         </p:style>
-        <p:txBody>
-          <a:bodyPr lIns="90000" rIns="90000" tIns="45000" bIns="45000" anchor="t">
-            <a:noAutofit/>
-          </a:bodyPr>
-          <a:p>
-            <a:pPr>
-              <a:lnSpc>
-                <a:spcPct val="100000"/>
-              </a:lnSpc>
-              <a:buNone/>
-            </a:pPr>
-            <a:r>
-              <a:rPr b="0" lang="en-US" sz="2600" spc="-1" strike="noStrike">
-                <a:solidFill>
-                  <a:srgbClr val="000000"/>
-                </a:solidFill>
-                <a:latin typeface="Arial"/>
-                <a:ea typeface="DejaVu Sans"/>
-              </a:rPr>
-              <a:t>The paper presents the technical contributions of the study, including the 3D-QAE architecture, a data normalization scheme, and a quantum gate sequence for improved information propagation. It discusses related work on classical auto-encoders, quantum machine learning, and quantum computer vision and graphics.</a:t>
-            </a:r>
-            <a:endParaRPr b="0" lang="en-US" sz="2600" spc="-1" strike="noStrike">
-              <a:latin typeface="Noto Sans CJK KR"/>
-            </a:endParaRPr>
-          </a:p>
-        </p:txBody>
       </p:sp>
     </p:spTree>
   </p:cSld>
@@ -7208,14 +6957,14 @@
 </file>
 
 <file path=ppt/theme/theme1.xml><?xml version="1.0" encoding="utf-8"?>
-<a:theme xmlns:r="http://schemas.openxmlformats.org/officeDocument/2006/relationships" xmlns:c="http://schemas.openxmlformats.org/drawingml/2006/chart" xmlns:dgm="http://schemas.openxmlformats.org/drawingml/2006/diagram" xmlns:dsp="http://schemas.microsoft.com/office/drawing/2008/diagram" xmlns:a="http://schemas.openxmlformats.org/drawingml/2006/main" xmlns:pic="http://schemas.openxmlformats.org/drawingml/2006/picture" xmlns:wp="http://schemas.openxmlformats.org/drawingml/2006/wordprocessingDrawing" xmlns:xdr="http://schemas.openxmlformats.org/drawingml/2006/spreadsheetDrawing" xmlns:lc="http://schemas.openxmlformats.org/drawingml/2006/lockedCanvas" xmlns:p="http://schemas.openxmlformats.org/presentationml/2006/main" name="Office Theme">
+<a:theme xmlns:a="http://schemas.openxmlformats.org/drawingml/2006/main" name="Office Theme">
   <a:themeElements>
     <a:clrScheme name="Office">
       <a:dk1>
         <a:sysClr val="windowText" lastClr="000000"/>
       </a:dk1>
       <a:lt1>
-        <a:sysClr val="window" lastClr="ffffff"/>
+        <a:sysClr val="window" lastClr="FFFFFF"/>
       </a:lt1>
       <a:dk2>
         <a:srgbClr val="44546a"/>
@@ -7434,14 +7183,14 @@
 </file>
 
 <file path=ppt/theme/theme2.xml><?xml version="1.0" encoding="utf-8"?>
-<a:theme xmlns:r="http://schemas.openxmlformats.org/officeDocument/2006/relationships" xmlns:c="http://schemas.openxmlformats.org/drawingml/2006/chart" xmlns:dgm="http://schemas.openxmlformats.org/drawingml/2006/diagram" xmlns:dsp="http://schemas.microsoft.com/office/drawing/2008/diagram" xmlns:a="http://schemas.openxmlformats.org/drawingml/2006/main" xmlns:pic="http://schemas.openxmlformats.org/drawingml/2006/picture" xmlns:wp="http://schemas.openxmlformats.org/drawingml/2006/wordprocessingDrawing" xmlns:xdr="http://schemas.openxmlformats.org/drawingml/2006/spreadsheetDrawing" xmlns:lc="http://schemas.openxmlformats.org/drawingml/2006/lockedCanvas" xmlns:p="http://schemas.openxmlformats.org/presentationml/2006/main" name="Office Theme">
+<a:theme xmlns:a="http://schemas.openxmlformats.org/drawingml/2006/main" name="Office Theme">
   <a:themeElements>
     <a:clrScheme name="Office">
       <a:dk1>
         <a:sysClr val="windowText" lastClr="000000"/>
       </a:dk1>
       <a:lt1>
-        <a:sysClr val="window" lastClr="ffffff"/>
+        <a:sysClr val="window" lastClr="FFFFFF"/>
       </a:lt1>
       <a:dk2>
         <a:srgbClr val="44546a"/>

--- a/template.pptx
+++ b/template.pptx
@@ -1,22 +1,22 @@
 
 <file path=ppt/presentation.xml><?xml version="1.0" encoding="utf-8"?>
-<p:presentation xmlns:a="http://schemas.openxmlformats.org/drawingml/2006/main" xmlns:p="http://schemas.openxmlformats.org/presentationml/2006/main" xmlns:r="http://schemas.openxmlformats.org/officeDocument/2006/relationships" xmlns:p14="http://schemas.microsoft.com/office/powerpoint/2010/main" xmlns:p15="http://schemas.microsoft.com/office/powerpoint/2012/main" xmlns:mc="http://schemas.openxmlformats.org/markup-compatibility/2006">
+<p:presentation xmlns:r="http://schemas.openxmlformats.org/officeDocument/2006/relationships" xmlns:c="http://schemas.openxmlformats.org/drawingml/2006/chart" xmlns:a="http://schemas.openxmlformats.org/drawingml/2006/main" xmlns:dgm="http://schemas.openxmlformats.org/drawingml/2006/diagram" xmlns:dsp="http://schemas.microsoft.com/office/drawing/2008/diagram" xmlns:p="http://schemas.openxmlformats.org/presentationml/2006/main">
   <p:sldMasterIdLst>
-    <p:sldMasterId id="2147483648" r:id="rId2"/>
-    <p:sldMasterId id="2147483661" r:id="rId3"/>
+    <p:sldMasterId id="2147483648" r:id="rId1"/>
+    <p:sldMasterId id="2147483661" r:id="rId2"/>
   </p:sldMasterIdLst>
   <p:sldIdLst>
-    <p:sldId id="256" r:id="rId4"/>
-    <p:sldId id="257" r:id="rId5"/>
-    <p:sldId id="258" r:id="rId6"/>
-    <p:sldId id="259" r:id="rId7"/>
-    <p:sldId id="260" r:id="rId8"/>
-    <p:sldId id="261" r:id="rId9"/>
-    <p:sldId id="262" r:id="rId10"/>
-    <p:sldId id="263" r:id="rId11"/>
-    <p:sldId id="264" r:id="rId12"/>
-    <p:sldId id="265" r:id="rId13"/>
-    <p:sldId id="266" r:id="rId14"/>
+    <p:sldId id="256" r:id="rId3"/>
+    <p:sldId id="257" r:id="rId4"/>
+    <p:sldId id="258" r:id="rId5"/>
+    <p:sldId id="259" r:id="rId6"/>
+    <p:sldId id="260" r:id="rId7"/>
+    <p:sldId id="261" r:id="rId8"/>
+    <p:sldId id="262" r:id="rId9"/>
+    <p:sldId id="263" r:id="rId10"/>
+    <p:sldId id="264" r:id="rId11"/>
+    <p:sldId id="265" r:id="rId12"/>
+    <p:sldId id="266" r:id="rId13"/>
   </p:sldIdLst>
   <p:sldSz cx="12192000" cy="6858000"/>
   <p:notesSz cx="7559675" cy="10691813"/>
@@ -5491,10 +5491,10 @@
 </file>
 
 <file path=ppt/slides/slide1.xml><?xml version="1.0" encoding="utf-8"?>
-<p:sld xmlns:a="http://schemas.openxmlformats.org/drawingml/2006/main" xmlns:p="http://schemas.openxmlformats.org/presentationml/2006/main" xmlns:r="http://schemas.openxmlformats.org/officeDocument/2006/relationships" xmlns:p14="http://schemas.microsoft.com/office/powerpoint/2010/main" xmlns:p15="http://schemas.microsoft.com/office/powerpoint/2012/main" xmlns:mc="http://schemas.openxmlformats.org/markup-compatibility/2006">
+<p:sld xmlns:r="http://schemas.openxmlformats.org/officeDocument/2006/relationships" xmlns:c="http://schemas.openxmlformats.org/drawingml/2006/chart" xmlns:a="http://schemas.openxmlformats.org/drawingml/2006/main" xmlns:dgm="http://schemas.openxmlformats.org/drawingml/2006/diagram" xmlns:dsp="http://schemas.microsoft.com/office/drawing/2008/diagram" xmlns:p="http://schemas.openxmlformats.org/presentationml/2006/main">
   <p:cSld>
     <p:bg>
-      <p:bgPr>
+      <p:bgPr shadeToTitle="0">
         <a:solidFill>
           <a:srgbClr val="e9d5cc"/>
         </a:solidFill>
@@ -5522,7 +5522,7 @@
         </p:nvSpPr>
         <p:spPr>
           <a:xfrm>
-            <a:off x="2340000" y="2700000"/>
+            <a:off x="1990200" y="2644020"/>
             <a:ext cx="8211600" cy="1569960"/>
           </a:xfrm>
           <a:prstGeom prst="roundRect">
@@ -5539,7 +5539,7 @@
             </a:solidFill>
           </a:ln>
           <a:effectLst>
-            <a:outerShdw algn="t" blurRad="50760" dir="5400000" dist="76320" rotWithShape="0">
+            <a:outerShdw blurRad="50760" dist="76320" dir="5400000" algn="t" rotWithShape="0">
               <a:srgbClr val="000000">
                 <a:alpha val="19000"/>
               </a:srgbClr>
@@ -5558,10 +5558,12 @@
           <a:effectRef idx="0">
             <a:schemeClr val="accent1"/>
           </a:effectRef>
-          <a:fontRef idx="minor"/>
+          <a:fontRef idx="minor">
+            <a:schemeClr val="tx1"/>
+          </a:fontRef>
         </p:style>
         <p:txBody>
-          <a:bodyPr lIns="90000" rIns="90000" tIns="45000" bIns="45000" anchor="ctr">
+          <a:bodyPr lIns="90000" tIns="45000" rIns="90000" bIns="45000" anchor="ctr">
             <a:noAutofit/>
           </a:bodyPr>
           <a:p>
@@ -5570,9 +5572,10 @@
                 <a:spcPct val="100000"/>
               </a:lnSpc>
               <a:buNone/>
+              <a:defRPr/>
             </a:pPr>
             <a:r>
-              <a:rPr b="0" lang="en-US" sz="3200" spc="-1" strike="noStrike">
+              <a:rPr lang="en-US" sz="3200" b="0" strike="noStrike" spc="-1">
                 <a:solidFill>
                   <a:srgbClr val="ffffff"/>
                 </a:solidFill>
@@ -5582,7 +5585,7 @@
               <a:t>PPT </a:t>
             </a:r>
             <a:r>
-              <a:rPr b="1" lang="en-US" sz="3200" spc="-1" strike="noStrike">
+              <a:rPr lang="en-US" sz="3200" b="1" strike="noStrike" spc="-1">
                 <a:solidFill>
                   <a:srgbClr val="ffffff"/>
                 </a:solidFill>
@@ -5592,7 +5595,7 @@
               <a:t>PRESENTAT</a:t>
             </a:r>
             <a:r>
-              <a:rPr b="0" lang="en-US" sz="3200" spc="-1" strike="noStrike">
+              <a:rPr lang="en-US" sz="3200" b="0" strike="noStrike" spc="-1">
                 <a:solidFill>
                   <a:srgbClr val="ffffff"/>
                 </a:solidFill>
@@ -5602,7 +5605,7 @@
               <a:t>I</a:t>
             </a:r>
             <a:r>
-              <a:rPr b="1" lang="en-US" sz="3200" spc="-1" strike="noStrike">
+              <a:rPr lang="en-US" sz="3200" b="1" strike="noStrike" spc="-1">
                 <a:solidFill>
                   <a:srgbClr val="ffffff"/>
                 </a:solidFill>
@@ -5611,7 +5614,7 @@
               </a:rPr>
               <a:t>ON</a:t>
             </a:r>
-            <a:endParaRPr b="0" lang="en-US" sz="3200" spc="-1" strike="noStrike">
+            <a:endParaRPr lang="en-US" sz="3200" b="0" strike="noStrike" spc="-1">
               <a:latin typeface="Noto Sans CJK KR"/>
             </a:endParaRPr>
           </a:p>
@@ -5619,12 +5622,15 @@
       </p:sp>
     </p:spTree>
   </p:cSld>
-  <mc:AlternateContent>
-    <mc:Choice Requires="p14">
-      <p:transition spd="slow" p14:dur="2000"/>
+  <p:clrMapOvr>
+    <a:masterClrMapping/>
+  </p:clrMapOvr>
+  <mc:AlternateContent xmlns:mc="http://schemas.openxmlformats.org/markup-compatibility/2006">
+    <mc:Choice xmlns:p14="http://schemas.microsoft.com/office/powerpoint/2010/main" Requires="p14">
+      <p:transition xmlns:mc="http://schemas.openxmlformats.org/markup-compatibility/2006" xmlns:p14="http://schemas.microsoft.com/office/powerpoint/2010/main" spd="med" mc:Ignorable="p14" p14:dur="2000"/>
     </mc:Choice>
     <mc:Fallback>
-      <p:transition spd="slow"/>
+      <p:transition/>
     </mc:Fallback>
   </mc:AlternateContent>
 </p:sld>
@@ -6957,14 +6963,14 @@
 </file>
 
 <file path=ppt/theme/theme1.xml><?xml version="1.0" encoding="utf-8"?>
-<a:theme xmlns:a="http://schemas.openxmlformats.org/drawingml/2006/main" name="Office Theme">
+<a:theme xmlns:r="http://schemas.openxmlformats.org/officeDocument/2006/relationships" xmlns:c="http://schemas.openxmlformats.org/drawingml/2006/chart" xmlns:dgm="http://schemas.openxmlformats.org/drawingml/2006/diagram" xmlns:dsp="http://schemas.microsoft.com/office/drawing/2008/diagram" xmlns:a="http://schemas.openxmlformats.org/drawingml/2006/main" xmlns:pic="http://schemas.openxmlformats.org/drawingml/2006/picture" xmlns:wp="http://schemas.openxmlformats.org/drawingml/2006/wordprocessingDrawing" xmlns:xdr="http://schemas.openxmlformats.org/drawingml/2006/spreadsheetDrawing" xmlns:lc="http://schemas.openxmlformats.org/drawingml/2006/lockedCanvas" xmlns:p="http://schemas.openxmlformats.org/presentationml/2006/main" name="Office Theme">
   <a:themeElements>
     <a:clrScheme name="Office">
       <a:dk1>
         <a:sysClr val="windowText" lastClr="000000"/>
       </a:dk1>
       <a:lt1>
-        <a:sysClr val="window" lastClr="FFFFFF"/>
+        <a:sysClr val="window" lastClr="ffffff"/>
       </a:lt1>
       <a:dk2>
         <a:srgbClr val="44546a"/>
@@ -7183,14 +7189,14 @@
 </file>
 
 <file path=ppt/theme/theme2.xml><?xml version="1.0" encoding="utf-8"?>
-<a:theme xmlns:a="http://schemas.openxmlformats.org/drawingml/2006/main" name="Office Theme">
+<a:theme xmlns:r="http://schemas.openxmlformats.org/officeDocument/2006/relationships" xmlns:c="http://schemas.openxmlformats.org/drawingml/2006/chart" xmlns:dgm="http://schemas.openxmlformats.org/drawingml/2006/diagram" xmlns:dsp="http://schemas.microsoft.com/office/drawing/2008/diagram" xmlns:a="http://schemas.openxmlformats.org/drawingml/2006/main" xmlns:pic="http://schemas.openxmlformats.org/drawingml/2006/picture" xmlns:wp="http://schemas.openxmlformats.org/drawingml/2006/wordprocessingDrawing" xmlns:xdr="http://schemas.openxmlformats.org/drawingml/2006/spreadsheetDrawing" xmlns:lc="http://schemas.openxmlformats.org/drawingml/2006/lockedCanvas" xmlns:p="http://schemas.openxmlformats.org/presentationml/2006/main" name="Office Theme">
   <a:themeElements>
     <a:clrScheme name="Office">
       <a:dk1>
         <a:sysClr val="windowText" lastClr="000000"/>
       </a:dk1>
       <a:lt1>
-        <a:sysClr val="window" lastClr="FFFFFF"/>
+        <a:sysClr val="window" lastClr="ffffff"/>
       </a:lt1>
       <a:dk2>
         <a:srgbClr val="44546a"/>
